--- a/data_collection/CCA/CCA_template.pptx
+++ b/data_collection/CCA/CCA_template.pptx
@@ -694,7 +694,7 @@
 
 <file path=ppt/slideLayouts/slideLayout1.xml><?xml version="1.0" encoding="utf-8"?>
 <p:sldLayout xmlns:a="http://schemas.openxmlformats.org/drawingml/2006/main" xmlns:r="http://schemas.openxmlformats.org/officeDocument/2006/relationships" xmlns:p="http://schemas.openxmlformats.org/presentationml/2006/main" preserve="1" userDrawn="1">
-  <p:cSld name="base_layout">
+  <p:cSld name="layout1">
     <p:spTree>
       <p:nvGrpSpPr>
         <p:cNvPr id="1" name=""/>
@@ -727,8 +727,8 @@
         </p:nvSpPr>
         <p:spPr>
           <a:xfrm>
-            <a:off x="57808" y="155575"/>
-            <a:ext cx="7734719" cy="287338"/>
+            <a:off x="57809" y="155575"/>
+            <a:ext cx="6975595" cy="287338"/>
           </a:xfrm>
           <a:prstGeom prst="rect">
             <a:avLst/>
@@ -768,8 +768,8 @@
         </p:nvSpPr>
         <p:spPr>
           <a:xfrm>
-            <a:off x="7861539" y="155575"/>
-            <a:ext cx="1024837" cy="287338"/>
+            <a:off x="7125419" y="155575"/>
+            <a:ext cx="1760957" cy="287338"/>
           </a:xfrm>
           <a:prstGeom prst="rect">
             <a:avLst/>
@@ -819,7 +819,11 @@
         </p:spPr>
         <p:txBody>
           <a:bodyPr/>
-          <a:lstStyle/>
+          <a:lstStyle>
+            <a:lvl1pPr>
+              <a:defRPr sz="1000" baseline="0"/>
+            </a:lvl1pPr>
+          </a:lstStyle>
           <a:p>
             <a:pPr lvl="0"/>
             <a:r>
@@ -888,6 +892,36 @@
 </p:sldLayout>
 </file>
 
+<file path=ppt/slideLayouts/slideLayout2.xml><?xml version="1.0" encoding="utf-8"?>
+<p:sldLayout xmlns:a="http://schemas.openxmlformats.org/drawingml/2006/main" xmlns:r="http://schemas.openxmlformats.org/officeDocument/2006/relationships" xmlns:p="http://schemas.openxmlformats.org/presentationml/2006/main" preserve="1" userDrawn="1">
+  <p:cSld name="layout2">
+    <p:spTree>
+      <p:nvGrpSpPr>
+        <p:cNvPr id="1" name=""/>
+        <p:cNvGrpSpPr/>
+        <p:nvPr/>
+      </p:nvGrpSpPr>
+      <p:grpSpPr>
+        <a:xfrm>
+          <a:off x="0" y="0"/>
+          <a:ext cx="0" cy="0"/>
+          <a:chOff x="0" y="0"/>
+          <a:chExt cx="0" cy="0"/>
+        </a:xfrm>
+      </p:grpSpPr>
+    </p:spTree>
+    <p:extLst>
+      <p:ext uri="{BB962C8B-B14F-4D97-AF65-F5344CB8AC3E}">
+        <p14:creationId xmlns:p14="http://schemas.microsoft.com/office/powerpoint/2010/main" val="4012216613"/>
+      </p:ext>
+    </p:extLst>
+  </p:cSld>
+  <p:clrMapOvr>
+    <a:masterClrMapping/>
+  </p:clrMapOvr>
+</p:sldLayout>
+</file>
+
 <file path=ppt/slideMasters/slideMaster1.xml><?xml version="1.0" encoding="utf-8"?>
 <p:sldMaster xmlns:a="http://schemas.openxmlformats.org/drawingml/2006/main" xmlns:r="http://schemas.openxmlformats.org/officeDocument/2006/relationships" xmlns:p="http://schemas.openxmlformats.org/presentationml/2006/main" preserve="1">
   <p:cSld>
@@ -918,6 +952,7 @@
   <p:clrMap bg1="lt1" tx1="dk1" bg2="lt2" tx2="dk2" accent1="accent1" accent2="accent2" accent3="accent3" accent4="accent4" accent5="accent5" accent6="accent6" hlink="hlink" folHlink="folHlink"/>
   <p:sldLayoutIdLst>
     <p:sldLayoutId id="2147483665" r:id="rId1"/>
+    <p:sldLayoutId id="2147483666" r:id="rId2"/>
   </p:sldLayoutIdLst>
   <p:hf sldNum="0" hdr="0" ftr="0" dt="0"/>
   <p:txStyles>

--- a/data_collection/CCA/CCA_template.pptx
+++ b/data_collection/CCA/CCA_template.pptx
@@ -794,48 +794,6 @@
       </p:sp>
       <p:sp>
         <p:nvSpPr>
-          <p:cNvPr id="6" name="텍스트 개체 틀 5">
-            <a:extLst>
-              <a:ext uri="{FF2B5EF4-FFF2-40B4-BE49-F238E27FC236}">
-                <a16:creationId xmlns:a16="http://schemas.microsoft.com/office/drawing/2014/main" id="{A01B9774-A48B-467D-A6C7-F490EE27834D}"/>
-              </a:ext>
-            </a:extLst>
-          </p:cNvPr>
-          <p:cNvSpPr>
-            <a:spLocks noGrp="1"/>
-          </p:cNvSpPr>
-          <p:nvPr>
-            <p:ph type="body" sz="quarter" idx="12" hasCustomPrompt="1"/>
-          </p:nvPr>
-        </p:nvSpPr>
-        <p:spPr>
-          <a:xfrm>
-            <a:off x="5641675" y="511055"/>
-            <a:ext cx="3244701" cy="6102530"/>
-          </a:xfrm>
-          <a:prstGeom prst="rect">
-            <a:avLst/>
-          </a:prstGeom>
-        </p:spPr>
-        <p:txBody>
-          <a:bodyPr/>
-          <a:lstStyle>
-            <a:lvl1pPr>
-              <a:defRPr sz="1000" baseline="0"/>
-            </a:lvl1pPr>
-          </a:lstStyle>
-          <a:p>
-            <a:pPr lvl="0"/>
-            <a:r>
-              <a:rPr lang="en-US" altLang="ko-KR" dirty="0"/>
-              <a:t>-</a:t>
-            </a:r>
-            <a:endParaRPr lang="ko-KR" altLang="en-US" dirty="0"/>
-          </a:p>
-        </p:txBody>
-      </p:sp>
-      <p:sp>
-        <p:nvSpPr>
           <p:cNvPr id="8" name="텍스트 개체 틀 7">
             <a:extLst>
               <a:ext uri="{FF2B5EF4-FFF2-40B4-BE49-F238E27FC236}">
@@ -853,7 +811,7 @@
         <p:spPr>
           <a:xfrm>
             <a:off x="115018" y="5957977"/>
-            <a:ext cx="5474569" cy="655549"/>
+            <a:ext cx="8514152" cy="655549"/>
           </a:xfrm>
           <a:prstGeom prst="rect">
             <a:avLst/>
@@ -894,6 +852,78 @@
 
 <file path=ppt/slideLayouts/slideLayout2.xml><?xml version="1.0" encoding="utf-8"?>
 <p:sldLayout xmlns:a="http://schemas.openxmlformats.org/drawingml/2006/main" xmlns:r="http://schemas.openxmlformats.org/officeDocument/2006/relationships" xmlns:p="http://schemas.openxmlformats.org/presentationml/2006/main" preserve="1" userDrawn="1">
+  <p:cSld name="layout_desc">
+    <p:spTree>
+      <p:nvGrpSpPr>
+        <p:cNvPr id="1" name=""/>
+        <p:cNvGrpSpPr/>
+        <p:nvPr/>
+      </p:nvGrpSpPr>
+      <p:grpSpPr>
+        <a:xfrm>
+          <a:off x="0" y="0"/>
+          <a:ext cx="0" cy="0"/>
+          <a:chOff x="0" y="0"/>
+          <a:chExt cx="0" cy="0"/>
+        </a:xfrm>
+      </p:grpSpPr>
+      <p:sp>
+        <p:nvSpPr>
+          <p:cNvPr id="3" name="텍스트 개체 틀 5">
+            <a:extLst>
+              <a:ext uri="{FF2B5EF4-FFF2-40B4-BE49-F238E27FC236}">
+                <a16:creationId xmlns:a16="http://schemas.microsoft.com/office/drawing/2014/main" id="{A2D5A6E4-32D9-4FE0-8A8F-6BE75E36B4A0}"/>
+              </a:ext>
+            </a:extLst>
+          </p:cNvPr>
+          <p:cNvSpPr>
+            <a:spLocks noGrp="1"/>
+          </p:cNvSpPr>
+          <p:nvPr>
+            <p:ph type="body" sz="quarter" idx="12" hasCustomPrompt="1"/>
+          </p:nvPr>
+        </p:nvSpPr>
+        <p:spPr>
+          <a:xfrm>
+            <a:off x="122055" y="129414"/>
+            <a:ext cx="8717327" cy="6460855"/>
+          </a:xfrm>
+          <a:prstGeom prst="rect">
+            <a:avLst/>
+          </a:prstGeom>
+        </p:spPr>
+        <p:txBody>
+          <a:bodyPr/>
+          <a:lstStyle>
+            <a:lvl1pPr>
+              <a:defRPr sz="900" baseline="0"/>
+            </a:lvl1pPr>
+          </a:lstStyle>
+          <a:p>
+            <a:pPr lvl="0"/>
+            <a:r>
+              <a:rPr lang="en-US" altLang="ko-KR" dirty="0"/>
+              <a:t>-</a:t>
+            </a:r>
+            <a:endParaRPr lang="ko-KR" altLang="en-US" dirty="0"/>
+          </a:p>
+        </p:txBody>
+      </p:sp>
+    </p:spTree>
+    <p:extLst>
+      <p:ext uri="{BB962C8B-B14F-4D97-AF65-F5344CB8AC3E}">
+        <p14:creationId xmlns:p14="http://schemas.microsoft.com/office/powerpoint/2010/main" val="503277351"/>
+      </p:ext>
+    </p:extLst>
+  </p:cSld>
+  <p:clrMapOvr>
+    <a:masterClrMapping/>
+  </p:clrMapOvr>
+</p:sldLayout>
+</file>
+
+<file path=ppt/slideLayouts/slideLayout3.xml><?xml version="1.0" encoding="utf-8"?>
+<p:sldLayout xmlns:a="http://schemas.openxmlformats.org/drawingml/2006/main" xmlns:r="http://schemas.openxmlformats.org/officeDocument/2006/relationships" xmlns:p="http://schemas.openxmlformats.org/presentationml/2006/main" preserve="1" userDrawn="1">
   <p:cSld name="layout2">
     <p:spTree>
       <p:nvGrpSpPr>
@@ -952,7 +982,8 @@
   <p:clrMap bg1="lt1" tx1="dk1" bg2="lt2" tx2="dk2" accent1="accent1" accent2="accent2" accent3="accent3" accent4="accent4" accent5="accent5" accent6="accent6" hlink="hlink" folHlink="folHlink"/>
   <p:sldLayoutIdLst>
     <p:sldLayoutId id="2147483665" r:id="rId1"/>
-    <p:sldLayoutId id="2147483666" r:id="rId2"/>
+    <p:sldLayoutId id="2147483667" r:id="rId2"/>
+    <p:sldLayoutId id="2147483666" r:id="rId3"/>
   </p:sldLayoutIdLst>
   <p:hf sldNum="0" hdr="0" ftr="0" dt="0"/>
   <p:txStyles>
